--- a/assets/week3.pptx
+++ b/assets/week3.pptx
@@ -2,16 +2,16 @@
 <file path=ppt/presentation.xml><?xml version="1.0" encoding="utf-8"?>
 <p:presentation xmlns:a="http://schemas.openxmlformats.org/drawingml/2006/main" xmlns:r="http://schemas.openxmlformats.org/officeDocument/2006/relationships" xmlns:p="http://schemas.openxmlformats.org/presentationml/2006/main" saveSubsetFonts="1">
   <p:sldMasterIdLst>
-    <p:sldMasterId id="2147483738" r:id="rId1"/>
+    <p:sldMasterId id="2147483738" r:id="rId4"/>
   </p:sldMasterIdLst>
   <p:sldIdLst>
-    <p:sldId id="256" r:id="rId2"/>
-    <p:sldId id="258" r:id="rId3"/>
-    <p:sldId id="272" r:id="rId4"/>
-    <p:sldId id="259" r:id="rId5"/>
-    <p:sldId id="274" r:id="rId6"/>
-    <p:sldId id="273" r:id="rId7"/>
-    <p:sldId id="275" r:id="rId8"/>
+    <p:sldId id="256" r:id="rId5"/>
+    <p:sldId id="258" r:id="rId6"/>
+    <p:sldId id="272" r:id="rId7"/>
+    <p:sldId id="259" r:id="rId8"/>
+    <p:sldId id="274" r:id="rId9"/>
+    <p:sldId id="273" r:id="rId10"/>
+    <p:sldId id="275" r:id="rId11"/>
   </p:sldIdLst>
   <p:sldSz cx="12192000" cy="6858000"/>
   <p:notesSz cx="6858000" cy="9144000"/>
@@ -273,7 +273,7 @@
             <a:fld id="{3F9AFA87-1417-4992-ABD9-27C3BC8CC883}" type="datetimeFigureOut">
               <a:rPr lang="en-US" smtClean="0"/>
               <a:pPr algn="r"/>
-              <a:t>10/7/2024</a:t>
+              <a:t>10/9/2024</a:t>
             </a:fld>
             <a:endParaRPr lang="en-US" dirty="0"/>
           </a:p>
@@ -474,7 +474,7 @@
           <a:p>
             <a:fld id="{3F9AFA87-1417-4992-ABD9-27C3BC8CC883}" type="datetimeFigureOut">
               <a:rPr lang="en-US" smtClean="0"/>
-              <a:t>10/7/2024</a:t>
+              <a:t>10/9/2024</a:t>
             </a:fld>
             <a:endParaRPr lang="en-US"/>
           </a:p>
@@ -684,7 +684,7 @@
           <a:p>
             <a:fld id="{3F9AFA87-1417-4992-ABD9-27C3BC8CC883}" type="datetimeFigureOut">
               <a:rPr lang="en-US" smtClean="0"/>
-              <a:t>10/7/2024</a:t>
+              <a:t>10/9/2024</a:t>
             </a:fld>
             <a:endParaRPr lang="en-US"/>
           </a:p>
@@ -882,7 +882,7 @@
           <a:p>
             <a:fld id="{3F9AFA87-1417-4992-ABD9-27C3BC8CC883}" type="datetimeFigureOut">
               <a:rPr lang="en-US" smtClean="0"/>
-              <a:t>10/7/2024</a:t>
+              <a:t>10/9/2024</a:t>
             </a:fld>
             <a:endParaRPr lang="en-US"/>
           </a:p>
@@ -1156,7 +1156,7 @@
           <a:p>
             <a:fld id="{3F9AFA87-1417-4992-ABD9-27C3BC8CC883}" type="datetimeFigureOut">
               <a:rPr lang="en-US" smtClean="0"/>
-              <a:t>10/7/2024</a:t>
+              <a:t>10/9/2024</a:t>
             </a:fld>
             <a:endParaRPr lang="en-US"/>
           </a:p>
@@ -1421,7 +1421,7 @@
           <a:p>
             <a:fld id="{3F9AFA87-1417-4992-ABD9-27C3BC8CC883}" type="datetimeFigureOut">
               <a:rPr lang="en-US" smtClean="0"/>
-              <a:t>10/7/2024</a:t>
+              <a:t>10/9/2024</a:t>
             </a:fld>
             <a:endParaRPr lang="en-US" dirty="0"/>
           </a:p>
@@ -1808,7 +1808,7 @@
           <a:p>
             <a:fld id="{3F9AFA87-1417-4992-ABD9-27C3BC8CC883}" type="datetimeFigureOut">
               <a:rPr lang="en-US" smtClean="0"/>
-              <a:t>10/7/2024</a:t>
+              <a:t>10/9/2024</a:t>
             </a:fld>
             <a:endParaRPr lang="en-US"/>
           </a:p>
@@ -1978,7 +1978,7 @@
           <a:p>
             <a:fld id="{3F9AFA87-1417-4992-ABD9-27C3BC8CC883}" type="datetimeFigureOut">
               <a:rPr lang="en-US" smtClean="0"/>
-              <a:t>10/7/2024</a:t>
+              <a:t>10/9/2024</a:t>
             </a:fld>
             <a:endParaRPr lang="en-US"/>
           </a:p>
@@ -2091,7 +2091,7 @@
           <a:p>
             <a:fld id="{3F9AFA87-1417-4992-ABD9-27C3BC8CC883}" type="datetimeFigureOut">
               <a:rPr lang="en-US" smtClean="0"/>
-              <a:t>10/7/2024</a:t>
+              <a:t>10/9/2024</a:t>
             </a:fld>
             <a:endParaRPr lang="en-US"/>
           </a:p>
@@ -2411,7 +2411,7 @@
           <a:p>
             <a:fld id="{3F9AFA87-1417-4992-ABD9-27C3BC8CC883}" type="datetimeFigureOut">
               <a:rPr lang="en-US" smtClean="0"/>
-              <a:t>10/7/2024</a:t>
+              <a:t>10/9/2024</a:t>
             </a:fld>
             <a:endParaRPr lang="en-US"/>
           </a:p>
@@ -2716,7 +2716,7 @@
           <a:p>
             <a:fld id="{3F9AFA87-1417-4992-ABD9-27C3BC8CC883}" type="datetimeFigureOut">
               <a:rPr lang="en-US" smtClean="0"/>
-              <a:t>10/7/2024</a:t>
+              <a:t>10/9/2024</a:t>
             </a:fld>
             <a:endParaRPr lang="en-US"/>
           </a:p>
@@ -2959,7 +2959,7 @@
             <a:fld id="{3F9AFA87-1417-4992-ABD9-27C3BC8CC883}" type="datetimeFigureOut">
               <a:rPr lang="en-US" smtClean="0"/>
               <a:pPr algn="r"/>
-              <a:t>10/7/2024</a:t>
+              <a:t>10/9/2024</a:t>
             </a:fld>
             <a:endParaRPr lang="en-US" dirty="0"/>
           </a:p>
@@ -3822,6 +3822,51 @@
           </a:p>
         </p:txBody>
       </p:sp>
+      <p:pic>
+        <p:nvPicPr>
+          <p:cNvPr id="2050" name="Picture 2" descr="One Piece (TV Series 1999– ) - IMDb">
+            <a:extLst>
+              <a:ext uri="{FF2B5EF4-FFF2-40B4-BE49-F238E27FC236}">
+                <a16:creationId xmlns:a16="http://schemas.microsoft.com/office/drawing/2014/main" id="{02F30A78-8882-F611-7A57-C533FF33FA80}"/>
+              </a:ext>
+            </a:extLst>
+          </p:cNvPr>
+          <p:cNvPicPr>
+            <a:picLocks noChangeAspect="1" noChangeArrowheads="1"/>
+          </p:cNvPicPr>
+          <p:nvPr/>
+        </p:nvPicPr>
+        <p:blipFill rotWithShape="1">
+          <a:blip r:embed="rId2">
+            <a:extLst>
+              <a:ext uri="{28A0092B-C50C-407E-A947-70E740481C1C}">
+                <a14:useLocalDpi xmlns:a14="http://schemas.microsoft.com/office/drawing/2010/main" val="0"/>
+              </a:ext>
+            </a:extLst>
+          </a:blip>
+          <a:srcRect b="23556"/>
+          <a:stretch/>
+        </p:blipFill>
+        <p:spPr bwMode="auto">
+          <a:xfrm>
+            <a:off x="5266899" y="0"/>
+            <a:ext cx="6925101" cy="6873804"/>
+          </a:xfrm>
+          <a:prstGeom prst="rect">
+            <a:avLst/>
+          </a:prstGeom>
+          <a:noFill/>
+          <a:extLst>
+            <a:ext uri="{909E8E84-426E-40DD-AFC4-6F175D3DCCD1}">
+              <a14:hiddenFill xmlns:a14="http://schemas.microsoft.com/office/drawing/2010/main">
+                <a:solidFill>
+                  <a:srgbClr val="FFFFFF"/>
+                </a:solidFill>
+              </a14:hiddenFill>
+            </a:ext>
+          </a:extLst>
+        </p:spPr>
+      </p:pic>
     </p:spTree>
     <p:extLst>
       <p:ext uri="{BB962C8B-B14F-4D97-AF65-F5344CB8AC3E}">
@@ -4067,7 +4112,7 @@
           <a:p>
             <a:r>
               <a:rPr lang="en-US" dirty="0"/>
-              <a:t>Action, Shonen, Fantasy</a:t>
+              <a:t>Action, literally everything else</a:t>
             </a:r>
           </a:p>
           <a:p>
@@ -4207,6 +4252,36 @@
           </a:p>
         </p:txBody>
       </p:sp>
+      <p:pic>
+        <p:nvPicPr>
+          <p:cNvPr id="4" name="Picture 3">
+            <a:extLst>
+              <a:ext uri="{FF2B5EF4-FFF2-40B4-BE49-F238E27FC236}">
+                <a16:creationId xmlns:a16="http://schemas.microsoft.com/office/drawing/2014/main" id="{C5CCD1F3-9239-0CB3-CE7B-5D0EAA2B1087}"/>
+              </a:ext>
+            </a:extLst>
+          </p:cNvPr>
+          <p:cNvPicPr>
+            <a:picLocks noChangeAspect="1"/>
+          </p:cNvPicPr>
+          <p:nvPr/>
+        </p:nvPicPr>
+        <p:blipFill>
+          <a:blip r:embed="rId2"/>
+          <a:stretch>
+            <a:fillRect/>
+          </a:stretch>
+        </p:blipFill>
+        <p:spPr>
+          <a:xfrm>
+            <a:off x="0" y="1901142"/>
+            <a:ext cx="12192000" cy="3055716"/>
+          </a:xfrm>
+          <a:prstGeom prst="rect">
+            <a:avLst/>
+          </a:prstGeom>
+        </p:spPr>
+      </p:pic>
     </p:spTree>
     <p:extLst>
       <p:ext uri="{BB962C8B-B14F-4D97-AF65-F5344CB8AC3E}">
@@ -4255,8 +4330,8 @@
         </p:nvSpPr>
         <p:spPr>
           <a:xfrm>
-            <a:off x="1352804" y="1022350"/>
-            <a:ext cx="6432296" cy="704596"/>
+            <a:off x="1352803" y="1022350"/>
+            <a:ext cx="9192741" cy="704596"/>
           </a:xfrm>
         </p:spPr>
         <p:txBody>
@@ -4267,7 +4342,7 @@
           <a:p>
             <a:r>
               <a:rPr lang="en-US" dirty="0"/>
-              <a:t>ADVENTURE OVER TIME</a:t>
+              <a:t>ADVENTURE OVER TIME (A LONG TIME)</a:t>
             </a:r>
           </a:p>
         </p:txBody>
@@ -4288,8 +4363,783 @@
         </p:nvSpPr>
         <p:spPr>
           <a:xfrm>
-            <a:off x="997204" y="3626104"/>
+            <a:off x="368068" y="3626104"/>
+            <a:ext cx="2265936" cy="552196"/>
+          </a:xfrm>
+          <a:prstGeom prst="rect">
+            <a:avLst/>
+          </a:prstGeom>
+        </p:spPr>
+        <p:txBody>
+          <a:bodyPr vert="horz" lIns="91440" tIns="45720" rIns="91440" bIns="45720" rtlCol="0" anchor="t">
+            <a:normAutofit fontScale="52500" lnSpcReduction="20000"/>
+          </a:bodyPr>
+          <a:lstStyle>
+            <a:lvl1pPr algn="l" defTabSz="914400" rtl="0" eaLnBrk="1" latinLnBrk="0" hangingPunct="1">
+              <a:lnSpc>
+                <a:spcPct val="95000"/>
+              </a:lnSpc>
+              <a:spcBef>
+                <a:spcPct val="0"/>
+              </a:spcBef>
+              <a:buNone/>
+              <a:defRPr sz="4200" kern="1200" spc="-50" baseline="0">
+                <a:solidFill>
+                  <a:schemeClr val="tx1"/>
+                </a:solidFill>
+                <a:latin typeface="+mj-lt"/>
+                <a:ea typeface="+mj-ea"/>
+                <a:cs typeface="+mj-cs"/>
+              </a:defRPr>
+            </a:lvl1pPr>
+          </a:lstStyle>
+          <a:p>
+            <a:r>
+              <a:rPr lang="en-US" dirty="0"/>
+              <a:t>Son Goku (1926)</a:t>
+            </a:r>
+          </a:p>
+        </p:txBody>
+      </p:sp>
+      <p:sp>
+        <p:nvSpPr>
+          <p:cNvPr id="6" name="Title 1">
+            <a:extLst>
+              <a:ext uri="{FF2B5EF4-FFF2-40B4-BE49-F238E27FC236}">
+                <a16:creationId xmlns:a16="http://schemas.microsoft.com/office/drawing/2014/main" id="{38802A75-B65D-387F-B7EE-AF08098F1A5A}"/>
+              </a:ext>
+            </a:extLst>
+          </p:cNvPr>
+          <p:cNvSpPr txBox="1">
+            <a:spLocks/>
+          </p:cNvSpPr>
+          <p:nvPr/>
+        </p:nvSpPr>
+        <p:spPr>
+          <a:xfrm>
+            <a:off x="2634004" y="3652012"/>
             <a:ext cx="2095500" cy="552196"/>
+          </a:xfrm>
+          <a:prstGeom prst="rect">
+            <a:avLst/>
+          </a:prstGeom>
+        </p:spPr>
+        <p:txBody>
+          <a:bodyPr vert="horz" lIns="91440" tIns="45720" rIns="91440" bIns="45720" rtlCol="0" anchor="t">
+            <a:normAutofit fontScale="45000" lnSpcReduction="20000"/>
+          </a:bodyPr>
+          <a:lstStyle>
+            <a:lvl1pPr algn="l" defTabSz="914400" rtl="0" eaLnBrk="1" latinLnBrk="0" hangingPunct="1">
+              <a:lnSpc>
+                <a:spcPct val="95000"/>
+              </a:lnSpc>
+              <a:spcBef>
+                <a:spcPct val="0"/>
+              </a:spcBef>
+              <a:buNone/>
+              <a:defRPr sz="4200" kern="1200" spc="-50" baseline="0">
+                <a:solidFill>
+                  <a:schemeClr val="tx1"/>
+                </a:solidFill>
+                <a:latin typeface="+mj-lt"/>
+                <a:ea typeface="+mj-ea"/>
+                <a:cs typeface="+mj-cs"/>
+              </a:defRPr>
+            </a:lvl1pPr>
+          </a:lstStyle>
+          <a:p>
+            <a:r>
+              <a:rPr lang="en-US" dirty="0"/>
+              <a:t>Corporal </a:t>
+            </a:r>
+            <a:r>
+              <a:rPr lang="en-US" dirty="0" err="1"/>
+              <a:t>Norakuro</a:t>
+            </a:r>
+            <a:r>
+              <a:rPr lang="en-US" dirty="0"/>
+              <a:t> (1934)</a:t>
+            </a:r>
+          </a:p>
+        </p:txBody>
+      </p:sp>
+      <p:sp>
+        <p:nvSpPr>
+          <p:cNvPr id="7" name="Title 1">
+            <a:extLst>
+              <a:ext uri="{FF2B5EF4-FFF2-40B4-BE49-F238E27FC236}">
+                <a16:creationId xmlns:a16="http://schemas.microsoft.com/office/drawing/2014/main" id="{8954E98E-023E-25F1-C5DC-19411E99BF86}"/>
+              </a:ext>
+            </a:extLst>
+          </p:cNvPr>
+          <p:cNvSpPr txBox="1">
+            <a:spLocks/>
+          </p:cNvSpPr>
+          <p:nvPr/>
+        </p:nvSpPr>
+        <p:spPr>
+          <a:xfrm>
+            <a:off x="5028208" y="3626104"/>
+            <a:ext cx="2095500" cy="704596"/>
+          </a:xfrm>
+          <a:prstGeom prst="rect">
+            <a:avLst/>
+          </a:prstGeom>
+        </p:spPr>
+        <p:txBody>
+          <a:bodyPr vert="horz" lIns="91440" tIns="45720" rIns="91440" bIns="45720" rtlCol="0" anchor="t">
+            <a:normAutofit fontScale="97500"/>
+          </a:bodyPr>
+          <a:lstStyle>
+            <a:lvl1pPr algn="l" defTabSz="914400" rtl="0" eaLnBrk="1" latinLnBrk="0" hangingPunct="1">
+              <a:lnSpc>
+                <a:spcPct val="95000"/>
+              </a:lnSpc>
+              <a:spcBef>
+                <a:spcPct val="0"/>
+              </a:spcBef>
+              <a:buNone/>
+              <a:defRPr sz="4200" kern="1200" spc="-50" baseline="0">
+                <a:solidFill>
+                  <a:schemeClr val="tx1"/>
+                </a:solidFill>
+                <a:latin typeface="+mj-lt"/>
+                <a:ea typeface="+mj-ea"/>
+                <a:cs typeface="+mj-cs"/>
+              </a:defRPr>
+            </a:lvl1pPr>
+          </a:lstStyle>
+          <a:p>
+            <a:r>
+              <a:rPr lang="en-US" sz="1800" dirty="0"/>
+              <a:t>The Bear Dodger (1948)</a:t>
+            </a:r>
+          </a:p>
+        </p:txBody>
+      </p:sp>
+      <p:sp>
+        <p:nvSpPr>
+          <p:cNvPr id="9" name="Title 1">
+            <a:extLst>
+              <a:ext uri="{FF2B5EF4-FFF2-40B4-BE49-F238E27FC236}">
+                <a16:creationId xmlns:a16="http://schemas.microsoft.com/office/drawing/2014/main" id="{585F65C2-115F-74F4-7901-B4526DFB88DC}"/>
+              </a:ext>
+            </a:extLst>
+          </p:cNvPr>
+          <p:cNvSpPr txBox="1">
+            <a:spLocks/>
+          </p:cNvSpPr>
+          <p:nvPr/>
+        </p:nvSpPr>
+        <p:spPr>
+          <a:xfrm>
+            <a:off x="10104942" y="3575812"/>
+            <a:ext cx="2095500" cy="552196"/>
+          </a:xfrm>
+          <a:prstGeom prst="rect">
+            <a:avLst/>
+          </a:prstGeom>
+        </p:spPr>
+        <p:txBody>
+          <a:bodyPr vert="horz" lIns="91440" tIns="45720" rIns="91440" bIns="45720" rtlCol="0" anchor="t">
+            <a:normAutofit fontScale="45000" lnSpcReduction="20000"/>
+          </a:bodyPr>
+          <a:lstStyle>
+            <a:lvl1pPr algn="l" defTabSz="914400" rtl="0" eaLnBrk="1" latinLnBrk="0" hangingPunct="1">
+              <a:lnSpc>
+                <a:spcPct val="95000"/>
+              </a:lnSpc>
+              <a:spcBef>
+                <a:spcPct val="0"/>
+              </a:spcBef>
+              <a:buNone/>
+              <a:defRPr sz="4200" kern="1200" spc="-50" baseline="0">
+                <a:solidFill>
+                  <a:schemeClr val="tx1"/>
+                </a:solidFill>
+                <a:latin typeface="+mj-lt"/>
+                <a:ea typeface="+mj-ea"/>
+                <a:cs typeface="+mj-cs"/>
+              </a:defRPr>
+            </a:lvl1pPr>
+          </a:lstStyle>
+          <a:p>
+            <a:r>
+              <a:rPr lang="en-US" dirty="0"/>
+              <a:t>Shounen Ninja (1965)</a:t>
+            </a:r>
+          </a:p>
+        </p:txBody>
+      </p:sp>
+      <p:sp>
+        <p:nvSpPr>
+          <p:cNvPr id="11" name="Title 1">
+            <a:extLst>
+              <a:ext uri="{FF2B5EF4-FFF2-40B4-BE49-F238E27FC236}">
+                <a16:creationId xmlns:a16="http://schemas.microsoft.com/office/drawing/2014/main" id="{A30BE9EA-2DFB-BD9A-6A90-1608EC039298}"/>
+              </a:ext>
+            </a:extLst>
+          </p:cNvPr>
+          <p:cNvSpPr txBox="1">
+            <a:spLocks/>
+          </p:cNvSpPr>
+          <p:nvPr/>
+        </p:nvSpPr>
+        <p:spPr>
+          <a:xfrm>
+            <a:off x="2741116" y="6050890"/>
+            <a:ext cx="2095500" cy="552196"/>
+          </a:xfrm>
+          <a:prstGeom prst="rect">
+            <a:avLst/>
+          </a:prstGeom>
+        </p:spPr>
+        <p:txBody>
+          <a:bodyPr vert="horz" lIns="91440" tIns="45720" rIns="91440" bIns="45720" rtlCol="0" anchor="t">
+            <a:normAutofit fontScale="37500" lnSpcReduction="20000"/>
+          </a:bodyPr>
+          <a:lstStyle>
+            <a:lvl1pPr algn="l" defTabSz="914400" rtl="0" eaLnBrk="1" latinLnBrk="0" hangingPunct="1">
+              <a:lnSpc>
+                <a:spcPct val="95000"/>
+              </a:lnSpc>
+              <a:spcBef>
+                <a:spcPct val="0"/>
+              </a:spcBef>
+              <a:buNone/>
+              <a:defRPr sz="4200" kern="1200" spc="-50" baseline="0">
+                <a:solidFill>
+                  <a:schemeClr val="tx1"/>
+                </a:solidFill>
+                <a:latin typeface="+mj-lt"/>
+                <a:ea typeface="+mj-ea"/>
+                <a:cs typeface="+mj-cs"/>
+              </a:defRPr>
+            </a:lvl1pPr>
+          </a:lstStyle>
+          <a:p>
+            <a:r>
+              <a:rPr lang="en-US" dirty="0"/>
+              <a:t>Nausicaa of the valley of wind (1984)</a:t>
+            </a:r>
+          </a:p>
+        </p:txBody>
+      </p:sp>
+      <p:sp>
+        <p:nvSpPr>
+          <p:cNvPr id="12" name="Title 1">
+            <a:extLst>
+              <a:ext uri="{FF2B5EF4-FFF2-40B4-BE49-F238E27FC236}">
+                <a16:creationId xmlns:a16="http://schemas.microsoft.com/office/drawing/2014/main" id="{CD056F1A-0DAA-6B8F-9E0A-5ED4B5B32E90}"/>
+              </a:ext>
+            </a:extLst>
+          </p:cNvPr>
+          <p:cNvSpPr txBox="1">
+            <a:spLocks/>
+          </p:cNvSpPr>
+          <p:nvPr/>
+        </p:nvSpPr>
+        <p:spPr>
+          <a:xfrm>
+            <a:off x="230770" y="6050890"/>
+            <a:ext cx="2095500" cy="552196"/>
+          </a:xfrm>
+          <a:prstGeom prst="rect">
+            <a:avLst/>
+          </a:prstGeom>
+        </p:spPr>
+        <p:txBody>
+          <a:bodyPr vert="horz" lIns="91440" tIns="45720" rIns="91440" bIns="45720" rtlCol="0" anchor="t">
+            <a:normAutofit fontScale="60000" lnSpcReduction="20000"/>
+          </a:bodyPr>
+          <a:lstStyle>
+            <a:lvl1pPr algn="l" defTabSz="914400" rtl="0" eaLnBrk="1" latinLnBrk="0" hangingPunct="1">
+              <a:lnSpc>
+                <a:spcPct val="95000"/>
+              </a:lnSpc>
+              <a:spcBef>
+                <a:spcPct val="0"/>
+              </a:spcBef>
+              <a:buNone/>
+              <a:defRPr sz="4200" kern="1200" spc="-50" baseline="0">
+                <a:solidFill>
+                  <a:schemeClr val="tx1"/>
+                </a:solidFill>
+                <a:latin typeface="+mj-lt"/>
+                <a:ea typeface="+mj-ea"/>
+                <a:cs typeface="+mj-cs"/>
+              </a:defRPr>
+            </a:lvl1pPr>
+          </a:lstStyle>
+          <a:p>
+            <a:r>
+              <a:rPr lang="en-US" dirty="0"/>
+              <a:t>Lupin III (1971)</a:t>
+            </a:r>
+          </a:p>
+        </p:txBody>
+      </p:sp>
+      <p:sp>
+        <p:nvSpPr>
+          <p:cNvPr id="29" name="Title 1">
+            <a:extLst>
+              <a:ext uri="{FF2B5EF4-FFF2-40B4-BE49-F238E27FC236}">
+                <a16:creationId xmlns:a16="http://schemas.microsoft.com/office/drawing/2014/main" id="{8AAEA5C2-4FC5-1ACC-E7E4-75EDA51445F4}"/>
+              </a:ext>
+            </a:extLst>
+          </p:cNvPr>
+          <p:cNvSpPr txBox="1">
+            <a:spLocks/>
+          </p:cNvSpPr>
+          <p:nvPr/>
+        </p:nvSpPr>
+        <p:spPr>
+          <a:xfrm>
+            <a:off x="5124795" y="6124298"/>
+            <a:ext cx="2095500" cy="552196"/>
+          </a:xfrm>
+          <a:prstGeom prst="rect">
+            <a:avLst/>
+          </a:prstGeom>
+        </p:spPr>
+        <p:txBody>
+          <a:bodyPr vert="horz" lIns="91440" tIns="45720" rIns="91440" bIns="45720" rtlCol="0" anchor="t">
+            <a:normAutofit fontScale="45000" lnSpcReduction="20000"/>
+          </a:bodyPr>
+          <a:lstStyle>
+            <a:lvl1pPr algn="l" defTabSz="914400" rtl="0" eaLnBrk="1" latinLnBrk="0" hangingPunct="1">
+              <a:lnSpc>
+                <a:spcPct val="95000"/>
+              </a:lnSpc>
+              <a:spcBef>
+                <a:spcPct val="0"/>
+              </a:spcBef>
+              <a:buNone/>
+              <a:defRPr sz="4200" kern="1200" spc="-50" baseline="0">
+                <a:solidFill>
+                  <a:schemeClr val="tx1"/>
+                </a:solidFill>
+                <a:latin typeface="+mj-lt"/>
+                <a:ea typeface="+mj-ea"/>
+                <a:cs typeface="+mj-cs"/>
+              </a:defRPr>
+            </a:lvl1pPr>
+          </a:lstStyle>
+          <a:p>
+            <a:r>
+              <a:rPr lang="en-US" dirty="0"/>
+              <a:t>Magic Knight </a:t>
+            </a:r>
+            <a:r>
+              <a:rPr lang="en-US" dirty="0" err="1"/>
+              <a:t>Rayearth</a:t>
+            </a:r>
+            <a:r>
+              <a:rPr lang="en-US" dirty="0"/>
+              <a:t> (1995)</a:t>
+            </a:r>
+          </a:p>
+        </p:txBody>
+      </p:sp>
+      <p:pic>
+        <p:nvPicPr>
+          <p:cNvPr id="4" name="Picture 3">
+            <a:extLst>
+              <a:ext uri="{FF2B5EF4-FFF2-40B4-BE49-F238E27FC236}">
+                <a16:creationId xmlns:a16="http://schemas.microsoft.com/office/drawing/2014/main" id="{19E125A1-166D-9866-56D7-1F0DB41FF706}"/>
+              </a:ext>
+            </a:extLst>
+          </p:cNvPr>
+          <p:cNvPicPr>
+            <a:picLocks noChangeAspect="1"/>
+          </p:cNvPicPr>
+          <p:nvPr/>
+        </p:nvPicPr>
+        <p:blipFill>
+          <a:blip r:embed="rId2"/>
+          <a:stretch>
+            <a:fillRect/>
+          </a:stretch>
+        </p:blipFill>
+        <p:spPr>
+          <a:xfrm>
+            <a:off x="0" y="1730278"/>
+            <a:ext cx="2628436" cy="1629779"/>
+          </a:xfrm>
+          <a:prstGeom prst="rect">
+            <a:avLst/>
+          </a:prstGeom>
+        </p:spPr>
+      </p:pic>
+      <p:pic>
+        <p:nvPicPr>
+          <p:cNvPr id="1026" name="Picture 2" descr="A picture's worth... — のらくろ伍長 / Norakuro Gocho (Corporal Norakuro) 15 in...">
+            <a:extLst>
+              <a:ext uri="{FF2B5EF4-FFF2-40B4-BE49-F238E27FC236}">
+                <a16:creationId xmlns:a16="http://schemas.microsoft.com/office/drawing/2014/main" id="{C03DF81B-4431-1318-70FF-09D969881245}"/>
+              </a:ext>
+            </a:extLst>
+          </p:cNvPr>
+          <p:cNvPicPr>
+            <a:picLocks noChangeAspect="1" noChangeArrowheads="1"/>
+          </p:cNvPicPr>
+          <p:nvPr/>
+        </p:nvPicPr>
+        <p:blipFill>
+          <a:blip r:embed="rId3">
+            <a:extLst>
+              <a:ext uri="{28A0092B-C50C-407E-A947-70E740481C1C}">
+                <a14:useLocalDpi xmlns:a14="http://schemas.microsoft.com/office/drawing/2010/main" val="0"/>
+              </a:ext>
+            </a:extLst>
+          </a:blip>
+          <a:srcRect/>
+          <a:stretch>
+            <a:fillRect/>
+          </a:stretch>
+        </p:blipFill>
+        <p:spPr bwMode="auto">
+          <a:xfrm>
+            <a:off x="2628436" y="1782775"/>
+            <a:ext cx="2394238" cy="1603190"/>
+          </a:xfrm>
+          <a:prstGeom prst="rect">
+            <a:avLst/>
+          </a:prstGeom>
+          <a:noFill/>
+          <a:extLst>
+            <a:ext uri="{909E8E84-426E-40DD-AFC4-6F175D3DCCD1}">
+              <a14:hiddenFill xmlns:a14="http://schemas.microsoft.com/office/drawing/2010/main">
+                <a:solidFill>
+                  <a:srgbClr val="FFFFFF"/>
+                </a:solidFill>
+              </a14:hiddenFill>
+            </a:ext>
+          </a:extLst>
+        </p:spPr>
+      </p:pic>
+      <p:pic>
+        <p:nvPicPr>
+          <p:cNvPr id="13" name="Picture 12">
+            <a:extLst>
+              <a:ext uri="{FF2B5EF4-FFF2-40B4-BE49-F238E27FC236}">
+                <a16:creationId xmlns:a16="http://schemas.microsoft.com/office/drawing/2014/main" id="{3ADD7019-C3DA-ABD3-B051-AB10429F9B84}"/>
+              </a:ext>
+            </a:extLst>
+          </p:cNvPr>
+          <p:cNvPicPr>
+            <a:picLocks noChangeAspect="1"/>
+          </p:cNvPicPr>
+          <p:nvPr/>
+        </p:nvPicPr>
+        <p:blipFill>
+          <a:blip r:embed="rId4"/>
+          <a:stretch>
+            <a:fillRect/>
+          </a:stretch>
+        </p:blipFill>
+        <p:spPr>
+          <a:xfrm>
+            <a:off x="4836616" y="1736881"/>
+            <a:ext cx="2628436" cy="1677580"/>
+          </a:xfrm>
+          <a:prstGeom prst="rect">
+            <a:avLst/>
+          </a:prstGeom>
+        </p:spPr>
+      </p:pic>
+      <p:pic>
+        <p:nvPicPr>
+          <p:cNvPr id="16" name="Picture 15">
+            <a:extLst>
+              <a:ext uri="{FF2B5EF4-FFF2-40B4-BE49-F238E27FC236}">
+                <a16:creationId xmlns:a16="http://schemas.microsoft.com/office/drawing/2014/main" id="{BF2559F4-BF82-A39D-2E73-F12E77296000}"/>
+              </a:ext>
+            </a:extLst>
+          </p:cNvPr>
+          <p:cNvPicPr>
+            <a:picLocks noChangeAspect="1"/>
+          </p:cNvPicPr>
+          <p:nvPr/>
+        </p:nvPicPr>
+        <p:blipFill>
+          <a:blip r:embed="rId5"/>
+          <a:stretch>
+            <a:fillRect/>
+          </a:stretch>
+        </p:blipFill>
+        <p:spPr>
+          <a:xfrm>
+            <a:off x="7413624" y="1726946"/>
+            <a:ext cx="2681073" cy="1716594"/>
+          </a:xfrm>
+          <a:prstGeom prst="rect">
+            <a:avLst/>
+          </a:prstGeom>
+        </p:spPr>
+      </p:pic>
+      <p:sp>
+        <p:nvSpPr>
+          <p:cNvPr id="17" name="Title 1">
+            <a:extLst>
+              <a:ext uri="{FF2B5EF4-FFF2-40B4-BE49-F238E27FC236}">
+                <a16:creationId xmlns:a16="http://schemas.microsoft.com/office/drawing/2014/main" id="{6FDDA476-9E0B-C7C4-7FFB-9C53AA010281}"/>
+              </a:ext>
+            </a:extLst>
+          </p:cNvPr>
+          <p:cNvSpPr txBox="1">
+            <a:spLocks/>
+          </p:cNvSpPr>
+          <p:nvPr/>
+        </p:nvSpPr>
+        <p:spPr>
+          <a:xfrm>
+            <a:off x="7706410" y="3575812"/>
+            <a:ext cx="2095500" cy="704596"/>
+          </a:xfrm>
+          <a:prstGeom prst="rect">
+            <a:avLst/>
+          </a:prstGeom>
+        </p:spPr>
+        <p:txBody>
+          <a:bodyPr vert="horz" lIns="91440" tIns="45720" rIns="91440" bIns="45720" rtlCol="0" anchor="t">
+            <a:normAutofit fontScale="97500"/>
+          </a:bodyPr>
+          <a:lstStyle>
+            <a:lvl1pPr algn="l" defTabSz="914400" rtl="0" eaLnBrk="1" latinLnBrk="0" hangingPunct="1">
+              <a:lnSpc>
+                <a:spcPct val="95000"/>
+              </a:lnSpc>
+              <a:spcBef>
+                <a:spcPct val="0"/>
+              </a:spcBef>
+              <a:buNone/>
+              <a:defRPr sz="4200" kern="1200" spc="-50" baseline="0">
+                <a:solidFill>
+                  <a:schemeClr val="tx1"/>
+                </a:solidFill>
+                <a:latin typeface="+mj-lt"/>
+                <a:ea typeface="+mj-ea"/>
+                <a:cs typeface="+mj-cs"/>
+              </a:defRPr>
+            </a:lvl1pPr>
+          </a:lstStyle>
+          <a:p>
+            <a:r>
+              <a:rPr lang="en-US" sz="1800" dirty="0" err="1"/>
+              <a:t>Mogura</a:t>
+            </a:r>
+            <a:r>
+              <a:rPr lang="en-US" sz="1800" dirty="0"/>
+              <a:t> No Adventure (1958)</a:t>
+            </a:r>
+          </a:p>
+        </p:txBody>
+      </p:sp>
+      <p:pic>
+        <p:nvPicPr>
+          <p:cNvPr id="1030" name="Picture 6" descr="Shōnen Ninja Kaze no Fujimaru (TV) - Anime News Network">
+            <a:extLst>
+              <a:ext uri="{FF2B5EF4-FFF2-40B4-BE49-F238E27FC236}">
+                <a16:creationId xmlns:a16="http://schemas.microsoft.com/office/drawing/2014/main" id="{8B9C69F8-3373-ED4F-E69C-52E8E7D6AE90}"/>
+              </a:ext>
+            </a:extLst>
+          </p:cNvPr>
+          <p:cNvPicPr>
+            <a:picLocks noChangeAspect="1" noChangeArrowheads="1"/>
+          </p:cNvPicPr>
+          <p:nvPr/>
+        </p:nvPicPr>
+        <p:blipFill>
+          <a:blip r:embed="rId6">
+            <a:extLst>
+              <a:ext uri="{28A0092B-C50C-407E-A947-70E740481C1C}">
+                <a14:useLocalDpi xmlns:a14="http://schemas.microsoft.com/office/drawing/2010/main" val="0"/>
+              </a:ext>
+            </a:extLst>
+          </a:blip>
+          <a:srcRect/>
+          <a:stretch>
+            <a:fillRect/>
+          </a:stretch>
+        </p:blipFill>
+        <p:spPr bwMode="auto">
+          <a:xfrm>
+            <a:off x="9975085" y="1726946"/>
+            <a:ext cx="2216915" cy="1725037"/>
+          </a:xfrm>
+          <a:prstGeom prst="rect">
+            <a:avLst/>
+          </a:prstGeom>
+          <a:noFill/>
+          <a:extLst>
+            <a:ext uri="{909E8E84-426E-40DD-AFC4-6F175D3DCCD1}">
+              <a14:hiddenFill xmlns:a14="http://schemas.microsoft.com/office/drawing/2010/main">
+                <a:solidFill>
+                  <a:srgbClr val="FFFFFF"/>
+                </a:solidFill>
+              </a14:hiddenFill>
+            </a:ext>
+          </a:extLst>
+        </p:spPr>
+      </p:pic>
+      <p:pic>
+        <p:nvPicPr>
+          <p:cNvPr id="1032" name="Picture 8" descr="Review of Lupin the Third - Part I">
+            <a:extLst>
+              <a:ext uri="{FF2B5EF4-FFF2-40B4-BE49-F238E27FC236}">
+                <a16:creationId xmlns:a16="http://schemas.microsoft.com/office/drawing/2014/main" id="{18EFE361-1E84-7FED-24B6-6076C0798A58}"/>
+              </a:ext>
+            </a:extLst>
+          </p:cNvPr>
+          <p:cNvPicPr>
+            <a:picLocks noChangeAspect="1" noChangeArrowheads="1"/>
+          </p:cNvPicPr>
+          <p:nvPr/>
+        </p:nvPicPr>
+        <p:blipFill>
+          <a:blip r:embed="rId7">
+            <a:extLst>
+              <a:ext uri="{28A0092B-C50C-407E-A947-70E740481C1C}">
+                <a14:useLocalDpi xmlns:a14="http://schemas.microsoft.com/office/drawing/2010/main" val="0"/>
+              </a:ext>
+            </a:extLst>
+          </a:blip>
+          <a:srcRect/>
+          <a:stretch>
+            <a:fillRect/>
+          </a:stretch>
+        </p:blipFill>
+        <p:spPr bwMode="auto">
+          <a:xfrm>
+            <a:off x="65036" y="4138734"/>
+            <a:ext cx="2426969" cy="1800002"/>
+          </a:xfrm>
+          <a:prstGeom prst="rect">
+            <a:avLst/>
+          </a:prstGeom>
+          <a:noFill/>
+          <a:extLst>
+            <a:ext uri="{909E8E84-426E-40DD-AFC4-6F175D3DCCD1}">
+              <a14:hiddenFill xmlns:a14="http://schemas.microsoft.com/office/drawing/2010/main">
+                <a:solidFill>
+                  <a:srgbClr val="FFFFFF"/>
+                </a:solidFill>
+              </a14:hiddenFill>
+            </a:ext>
+          </a:extLst>
+        </p:spPr>
+      </p:pic>
+      <p:pic>
+        <p:nvPicPr>
+          <p:cNvPr id="1034" name="Picture 10" descr="NAUSICAÄ OF THE VALLEY OF THE WIND | Official English Trailer - YouTube">
+            <a:extLst>
+              <a:ext uri="{FF2B5EF4-FFF2-40B4-BE49-F238E27FC236}">
+                <a16:creationId xmlns:a16="http://schemas.microsoft.com/office/drawing/2014/main" id="{AFC87938-72C1-9EF2-E36F-C012E5D33CF3}"/>
+              </a:ext>
+            </a:extLst>
+          </p:cNvPr>
+          <p:cNvPicPr>
+            <a:picLocks noChangeAspect="1" noChangeArrowheads="1"/>
+          </p:cNvPicPr>
+          <p:nvPr/>
+        </p:nvPicPr>
+        <p:blipFill rotWithShape="1">
+          <a:blip r:embed="rId8">
+            <a:extLst>
+              <a:ext uri="{28A0092B-C50C-407E-A947-70E740481C1C}">
+                <a14:useLocalDpi xmlns:a14="http://schemas.microsoft.com/office/drawing/2010/main" val="0"/>
+              </a:ext>
+            </a:extLst>
+          </a:blip>
+          <a:srcRect l="12380" t="15711" r="11547" b="23704"/>
+          <a:stretch/>
+        </p:blipFill>
+        <p:spPr bwMode="auto">
+          <a:xfrm>
+            <a:off x="2455623" y="4178300"/>
+            <a:ext cx="2681073" cy="1601439"/>
+          </a:xfrm>
+          <a:prstGeom prst="rect">
+            <a:avLst/>
+          </a:prstGeom>
+          <a:noFill/>
+          <a:extLst>
+            <a:ext uri="{909E8E84-426E-40DD-AFC4-6F175D3DCCD1}">
+              <a14:hiddenFill xmlns:a14="http://schemas.microsoft.com/office/drawing/2010/main">
+                <a:solidFill>
+                  <a:srgbClr val="FFFFFF"/>
+                </a:solidFill>
+              </a14:hiddenFill>
+            </a:ext>
+          </a:extLst>
+        </p:spPr>
+      </p:pic>
+      <p:pic>
+        <p:nvPicPr>
+          <p:cNvPr id="1036" name="Picture 12" descr="Magic Knight Rayearth - Anime of the Week : r/anime">
+            <a:extLst>
+              <a:ext uri="{FF2B5EF4-FFF2-40B4-BE49-F238E27FC236}">
+                <a16:creationId xmlns:a16="http://schemas.microsoft.com/office/drawing/2014/main" id="{E8647836-CB22-9655-F55F-23C1442022A7}"/>
+              </a:ext>
+            </a:extLst>
+          </p:cNvPr>
+          <p:cNvPicPr>
+            <a:picLocks noChangeAspect="1" noChangeArrowheads="1"/>
+          </p:cNvPicPr>
+          <p:nvPr/>
+        </p:nvPicPr>
+        <p:blipFill>
+          <a:blip r:embed="rId9">
+            <a:extLst>
+              <a:ext uri="{28A0092B-C50C-407E-A947-70E740481C1C}">
+                <a14:useLocalDpi xmlns:a14="http://schemas.microsoft.com/office/drawing/2010/main" val="0"/>
+              </a:ext>
+            </a:extLst>
+          </a:blip>
+          <a:srcRect/>
+          <a:stretch>
+            <a:fillRect/>
+          </a:stretch>
+        </p:blipFill>
+        <p:spPr bwMode="auto">
+          <a:xfrm>
+            <a:off x="4882592" y="4149803"/>
+            <a:ext cx="2579906" cy="1934929"/>
+          </a:xfrm>
+          <a:prstGeom prst="rect">
+            <a:avLst/>
+          </a:prstGeom>
+          <a:noFill/>
+          <a:extLst>
+            <a:ext uri="{909E8E84-426E-40DD-AFC4-6F175D3DCCD1}">
+              <a14:hiddenFill xmlns:a14="http://schemas.microsoft.com/office/drawing/2010/main">
+                <a:solidFill>
+                  <a:srgbClr val="FFFFFF"/>
+                </a:solidFill>
+              </a14:hiddenFill>
+            </a:ext>
+          </a:extLst>
+        </p:spPr>
+      </p:pic>
+      <p:sp>
+        <p:nvSpPr>
+          <p:cNvPr id="18" name="Title 1">
+            <a:extLst>
+              <a:ext uri="{FF2B5EF4-FFF2-40B4-BE49-F238E27FC236}">
+                <a16:creationId xmlns:a16="http://schemas.microsoft.com/office/drawing/2014/main" id="{730F05E9-8E56-7CB6-C6C4-0A0399537579}"/>
+              </a:ext>
+            </a:extLst>
+          </p:cNvPr>
+          <p:cNvSpPr txBox="1">
+            <a:spLocks/>
+          </p:cNvSpPr>
+          <p:nvPr/>
+        </p:nvSpPr>
+        <p:spPr>
+          <a:xfrm>
+            <a:off x="7635141" y="6124298"/>
+            <a:ext cx="2339944" cy="619760"/>
           </a:xfrm>
           <a:prstGeom prst="rect">
             <a:avLst/>
@@ -4321,17 +5171,17 @@
           <a:p>
             <a:r>
               <a:rPr lang="en-US" dirty="0"/>
-              <a:t>Son Goku ()</a:t>
-            </a:r>
-          </a:p>
-        </p:txBody>
-      </p:sp>
-      <p:sp>
-        <p:nvSpPr>
-          <p:cNvPr id="6" name="Title 1">
-            <a:extLst>
-              <a:ext uri="{FF2B5EF4-FFF2-40B4-BE49-F238E27FC236}">
-                <a16:creationId xmlns:a16="http://schemas.microsoft.com/office/drawing/2014/main" id="{38802A75-B65D-387F-B7EE-AF08098F1A5A}"/>
+              <a:t>Naruto (2003)</a:t>
+            </a:r>
+          </a:p>
+        </p:txBody>
+      </p:sp>
+      <p:sp>
+        <p:nvSpPr>
+          <p:cNvPr id="19" name="Title 1">
+            <a:extLst>
+              <a:ext uri="{FF2B5EF4-FFF2-40B4-BE49-F238E27FC236}">
+                <a16:creationId xmlns:a16="http://schemas.microsoft.com/office/drawing/2014/main" id="{5AD9656E-2612-CEF0-8109-CA4A826FF0B5}"/>
               </a:ext>
             </a:extLst>
           </p:cNvPr>
@@ -4342,123 +5192,7 @@
         </p:nvSpPr>
         <p:spPr>
           <a:xfrm>
-            <a:off x="3263140" y="3652012"/>
-            <a:ext cx="2095500" cy="552196"/>
-          </a:xfrm>
-          <a:prstGeom prst="rect">
-            <a:avLst/>
-          </a:prstGeom>
-        </p:spPr>
-        <p:txBody>
-          <a:bodyPr vert="horz" lIns="91440" tIns="45720" rIns="91440" bIns="45720" rtlCol="0" anchor="t">
-            <a:normAutofit fontScale="52500" lnSpcReduction="20000"/>
-          </a:bodyPr>
-          <a:lstStyle>
-            <a:lvl1pPr algn="l" defTabSz="914400" rtl="0" eaLnBrk="1" latinLnBrk="0" hangingPunct="1">
-              <a:lnSpc>
-                <a:spcPct val="95000"/>
-              </a:lnSpc>
-              <a:spcBef>
-                <a:spcPct val="0"/>
-              </a:spcBef>
-              <a:buNone/>
-              <a:defRPr sz="4200" kern="1200" spc="-50" baseline="0">
-                <a:solidFill>
-                  <a:schemeClr val="tx1"/>
-                </a:solidFill>
-                <a:latin typeface="+mj-lt"/>
-                <a:ea typeface="+mj-ea"/>
-                <a:cs typeface="+mj-cs"/>
-              </a:defRPr>
-            </a:lvl1pPr>
-          </a:lstStyle>
-          <a:p>
-            <a:r>
-              <a:rPr lang="en-US" dirty="0"/>
-              <a:t>Devilman (1972)</a:t>
-            </a:r>
-          </a:p>
-        </p:txBody>
-      </p:sp>
-      <p:sp>
-        <p:nvSpPr>
-          <p:cNvPr id="7" name="Title 1">
-            <a:extLst>
-              <a:ext uri="{FF2B5EF4-FFF2-40B4-BE49-F238E27FC236}">
-                <a16:creationId xmlns:a16="http://schemas.microsoft.com/office/drawing/2014/main" id="{8954E98E-023E-25F1-C5DC-19411E99BF86}"/>
-              </a:ext>
-            </a:extLst>
-          </p:cNvPr>
-          <p:cNvSpPr txBox="1">
-            <a:spLocks/>
-          </p:cNvSpPr>
-          <p:nvPr/>
-        </p:nvSpPr>
-        <p:spPr>
-          <a:xfrm>
-            <a:off x="5657344" y="3626104"/>
-            <a:ext cx="2095500" cy="704596"/>
-          </a:xfrm>
-          <a:prstGeom prst="rect">
-            <a:avLst/>
-          </a:prstGeom>
-        </p:spPr>
-        <p:txBody>
-          <a:bodyPr vert="horz" lIns="91440" tIns="45720" rIns="91440" bIns="45720" rtlCol="0" anchor="t">
-            <a:normAutofit fontScale="90000"/>
-          </a:bodyPr>
-          <a:lstStyle>
-            <a:lvl1pPr algn="l" defTabSz="914400" rtl="0" eaLnBrk="1" latinLnBrk="0" hangingPunct="1">
-              <a:lnSpc>
-                <a:spcPct val="95000"/>
-              </a:lnSpc>
-              <a:spcBef>
-                <a:spcPct val="0"/>
-              </a:spcBef>
-              <a:buNone/>
-              <a:defRPr sz="4200" kern="1200" spc="-50" baseline="0">
-                <a:solidFill>
-                  <a:schemeClr val="tx1"/>
-                </a:solidFill>
-                <a:latin typeface="+mj-lt"/>
-                <a:ea typeface="+mj-ea"/>
-                <a:cs typeface="+mj-cs"/>
-              </a:defRPr>
-            </a:lvl1pPr>
-          </a:lstStyle>
-          <a:p>
-            <a:r>
-              <a:rPr lang="en-US" sz="1800" dirty="0"/>
-              <a:t>Space Pirate Captain </a:t>
-            </a:r>
-            <a:r>
-              <a:rPr lang="en-US" sz="1800" dirty="0" err="1"/>
-              <a:t>Harlock</a:t>
-            </a:r>
-            <a:r>
-              <a:rPr lang="en-US" sz="1800" dirty="0"/>
-              <a:t> (1978)</a:t>
-            </a:r>
-          </a:p>
-        </p:txBody>
-      </p:sp>
-      <p:sp>
-        <p:nvSpPr>
-          <p:cNvPr id="8" name="Title 1">
-            <a:extLst>
-              <a:ext uri="{FF2B5EF4-FFF2-40B4-BE49-F238E27FC236}">
-                <a16:creationId xmlns:a16="http://schemas.microsoft.com/office/drawing/2014/main" id="{C85D233E-5993-6486-9C00-C0775BE0DD6E}"/>
-              </a:ext>
-            </a:extLst>
-          </p:cNvPr>
-          <p:cNvSpPr txBox="1">
-            <a:spLocks/>
-          </p:cNvSpPr>
-          <p:nvPr/>
-        </p:nvSpPr>
-        <p:spPr>
-          <a:xfrm>
-            <a:off x="8482733" y="3652012"/>
+            <a:off x="10247691" y="6124298"/>
             <a:ext cx="2095500" cy="552196"/>
           </a:xfrm>
           <a:prstGeom prst="rect">
@@ -4491,231 +5225,88 @@
           <a:p>
             <a:r>
               <a:rPr lang="en-US" dirty="0"/>
-              <a:t>Dragon Ball (1986)</a:t>
-            </a:r>
-          </a:p>
-        </p:txBody>
-      </p:sp>
-      <p:sp>
-        <p:nvSpPr>
-          <p:cNvPr id="9" name="Title 1">
-            <a:extLst>
-              <a:ext uri="{FF2B5EF4-FFF2-40B4-BE49-F238E27FC236}">
-                <a16:creationId xmlns:a16="http://schemas.microsoft.com/office/drawing/2014/main" id="{585F65C2-115F-74F4-7901-B4526DFB88DC}"/>
-              </a:ext>
-            </a:extLst>
-          </p:cNvPr>
-          <p:cNvSpPr txBox="1">
-            <a:spLocks/>
-          </p:cNvSpPr>
+              <a:t>Made in Abyss (2017)</a:t>
+            </a:r>
+          </a:p>
+        </p:txBody>
+      </p:sp>
+      <p:pic>
+        <p:nvPicPr>
+          <p:cNvPr id="1038" name="Picture 14" descr="Watch Naruto | Netflix">
+            <a:extLst>
+              <a:ext uri="{FF2B5EF4-FFF2-40B4-BE49-F238E27FC236}">
+                <a16:creationId xmlns:a16="http://schemas.microsoft.com/office/drawing/2014/main" id="{9365E345-EE71-EF77-BD40-C76AE2111E11}"/>
+              </a:ext>
+            </a:extLst>
+          </p:cNvPr>
+          <p:cNvPicPr>
+            <a:picLocks noChangeAspect="1" noChangeArrowheads="1"/>
+          </p:cNvPicPr>
           <p:nvPr/>
-        </p:nvSpPr>
-        <p:spPr>
-          <a:xfrm>
-            <a:off x="895604" y="6065012"/>
-            <a:ext cx="2095500" cy="552196"/>
+        </p:nvPicPr>
+        <p:blipFill>
+          <a:blip r:embed="rId10">
+            <a:extLst>
+              <a:ext uri="{28A0092B-C50C-407E-A947-70E740481C1C}">
+                <a14:useLocalDpi xmlns:a14="http://schemas.microsoft.com/office/drawing/2010/main" val="0"/>
+              </a:ext>
+            </a:extLst>
+          </a:blip>
+          <a:srcRect/>
+          <a:stretch>
+            <a:fillRect/>
+          </a:stretch>
+        </p:blipFill>
+        <p:spPr bwMode="auto">
+          <a:xfrm>
+            <a:off x="7413624" y="4264896"/>
+            <a:ext cx="2693054" cy="1673840"/>
           </a:xfrm>
           <a:prstGeom prst="rect">
             <a:avLst/>
           </a:prstGeom>
-        </p:spPr>
-        <p:txBody>
-          <a:bodyPr vert="horz" lIns="91440" tIns="45720" rIns="91440" bIns="45720" rtlCol="0" anchor="t">
-            <a:normAutofit fontScale="52500" lnSpcReduction="20000"/>
-          </a:bodyPr>
-          <a:lstStyle>
-            <a:lvl1pPr algn="l" defTabSz="914400" rtl="0" eaLnBrk="1" latinLnBrk="0" hangingPunct="1">
-              <a:lnSpc>
-                <a:spcPct val="95000"/>
-              </a:lnSpc>
-              <a:spcBef>
-                <a:spcPct val="0"/>
-              </a:spcBef>
-              <a:buNone/>
-              <a:defRPr sz="4200" kern="1200" spc="-50" baseline="0">
+          <a:noFill/>
+          <a:extLst>
+            <a:ext uri="{909E8E84-426E-40DD-AFC4-6F175D3DCCD1}">
+              <a14:hiddenFill xmlns:a14="http://schemas.microsoft.com/office/drawing/2010/main">
                 <a:solidFill>
-                  <a:schemeClr val="tx1"/>
+                  <a:srgbClr val="FFFFFF"/>
                 </a:solidFill>
-                <a:latin typeface="+mj-lt"/>
-                <a:ea typeface="+mj-ea"/>
-                <a:cs typeface="+mj-cs"/>
-              </a:defRPr>
-            </a:lvl1pPr>
-          </a:lstStyle>
-          <a:p>
-            <a:r>
-              <a:rPr lang="en-US" dirty="0"/>
-              <a:t>Ranma ½ (1989)</a:t>
-            </a:r>
-          </a:p>
-        </p:txBody>
-      </p:sp>
-      <p:sp>
-        <p:nvSpPr>
-          <p:cNvPr id="11" name="Title 1">
-            <a:extLst>
-              <a:ext uri="{FF2B5EF4-FFF2-40B4-BE49-F238E27FC236}">
-                <a16:creationId xmlns:a16="http://schemas.microsoft.com/office/drawing/2014/main" id="{A30BE9EA-2DFB-BD9A-6A90-1608EC039298}"/>
-              </a:ext>
-            </a:extLst>
-          </p:cNvPr>
-          <p:cNvSpPr txBox="1">
-            <a:spLocks/>
-          </p:cNvSpPr>
+              </a14:hiddenFill>
+            </a:ext>
+          </a:extLst>
+        </p:spPr>
+      </p:pic>
+      <p:pic>
+        <p:nvPicPr>
+          <p:cNvPr id="21" name="Picture 20">
+            <a:extLst>
+              <a:ext uri="{FF2B5EF4-FFF2-40B4-BE49-F238E27FC236}">
+                <a16:creationId xmlns:a16="http://schemas.microsoft.com/office/drawing/2014/main" id="{D71F6AF5-ADD2-6CF9-FAF3-EE72137FAA09}"/>
+              </a:ext>
+            </a:extLst>
+          </p:cNvPr>
+          <p:cNvPicPr>
+            <a:picLocks noChangeAspect="1"/>
+          </p:cNvPicPr>
           <p:nvPr/>
-        </p:nvSpPr>
+        </p:nvPicPr>
+        <p:blipFill>
+          <a:blip r:embed="rId11"/>
+          <a:stretch>
+            <a:fillRect/>
+          </a:stretch>
+        </p:blipFill>
         <p:spPr>
           <a:xfrm>
-            <a:off x="5689600" y="6073445"/>
-            <a:ext cx="2095500" cy="552196"/>
+            <a:off x="9963083" y="4099306"/>
+            <a:ext cx="2228917" cy="1932211"/>
           </a:xfrm>
           <a:prstGeom prst="rect">
             <a:avLst/>
           </a:prstGeom>
         </p:spPr>
-        <p:txBody>
-          <a:bodyPr vert="horz" lIns="91440" tIns="45720" rIns="91440" bIns="45720" rtlCol="0" anchor="t">
-            <a:normAutofit fontScale="67500" lnSpcReduction="20000"/>
-          </a:bodyPr>
-          <a:lstStyle>
-            <a:lvl1pPr algn="l" defTabSz="914400" rtl="0" eaLnBrk="1" latinLnBrk="0" hangingPunct="1">
-              <a:lnSpc>
-                <a:spcPct val="95000"/>
-              </a:lnSpc>
-              <a:spcBef>
-                <a:spcPct val="0"/>
-              </a:spcBef>
-              <a:buNone/>
-              <a:defRPr sz="4200" kern="1200" spc="-50" baseline="0">
-                <a:solidFill>
-                  <a:schemeClr val="tx1"/>
-                </a:solidFill>
-                <a:latin typeface="+mj-lt"/>
-                <a:ea typeface="+mj-ea"/>
-                <a:cs typeface="+mj-cs"/>
-              </a:defRPr>
-            </a:lvl1pPr>
-          </a:lstStyle>
-          <a:p>
-            <a:r>
-              <a:rPr lang="en-US" dirty="0" err="1"/>
-              <a:t>Trigun</a:t>
-            </a:r>
-            <a:r>
-              <a:rPr lang="en-US" dirty="0"/>
-              <a:t> (1998)</a:t>
-            </a:r>
-          </a:p>
-        </p:txBody>
-      </p:sp>
-      <p:sp>
-        <p:nvSpPr>
-          <p:cNvPr id="12" name="Title 1">
-            <a:extLst>
-              <a:ext uri="{FF2B5EF4-FFF2-40B4-BE49-F238E27FC236}">
-                <a16:creationId xmlns:a16="http://schemas.microsoft.com/office/drawing/2014/main" id="{CD056F1A-0DAA-6B8F-9E0A-5ED4B5B32E90}"/>
-              </a:ext>
-            </a:extLst>
-          </p:cNvPr>
-          <p:cNvSpPr txBox="1">
-            <a:spLocks/>
-          </p:cNvSpPr>
-          <p:nvPr/>
-        </p:nvSpPr>
-        <p:spPr>
-          <a:xfrm>
-            <a:off x="3263140" y="6073445"/>
-            <a:ext cx="2095500" cy="552196"/>
-          </a:xfrm>
-          <a:prstGeom prst="rect">
-            <a:avLst/>
-          </a:prstGeom>
-        </p:spPr>
-        <p:txBody>
-          <a:bodyPr vert="horz" lIns="91440" tIns="45720" rIns="91440" bIns="45720" rtlCol="0" anchor="t">
-            <a:normAutofit fontScale="45000" lnSpcReduction="20000"/>
-          </a:bodyPr>
-          <a:lstStyle>
-            <a:lvl1pPr algn="l" defTabSz="914400" rtl="0" eaLnBrk="1" latinLnBrk="0" hangingPunct="1">
-              <a:lnSpc>
-                <a:spcPct val="95000"/>
-              </a:lnSpc>
-              <a:spcBef>
-                <a:spcPct val="0"/>
-              </a:spcBef>
-              <a:buNone/>
-              <a:defRPr sz="4200" kern="1200" spc="-50" baseline="0">
-                <a:solidFill>
-                  <a:schemeClr val="tx1"/>
-                </a:solidFill>
-                <a:latin typeface="+mj-lt"/>
-                <a:ea typeface="+mj-ea"/>
-                <a:cs typeface="+mj-cs"/>
-              </a:defRPr>
-            </a:lvl1pPr>
-          </a:lstStyle>
-          <a:p>
-            <a:r>
-              <a:rPr lang="en-US" dirty="0"/>
-              <a:t>Sailor moon (1992)</a:t>
-            </a:r>
-          </a:p>
-        </p:txBody>
-      </p:sp>
-      <p:sp>
-        <p:nvSpPr>
-          <p:cNvPr id="29" name="Title 1">
-            <a:extLst>
-              <a:ext uri="{FF2B5EF4-FFF2-40B4-BE49-F238E27FC236}">
-                <a16:creationId xmlns:a16="http://schemas.microsoft.com/office/drawing/2014/main" id="{8AAEA5C2-4FC5-1ACC-E7E4-75EDA51445F4}"/>
-              </a:ext>
-            </a:extLst>
-          </p:cNvPr>
-          <p:cNvSpPr txBox="1">
-            <a:spLocks/>
-          </p:cNvSpPr>
-          <p:nvPr/>
-        </p:nvSpPr>
-        <p:spPr>
-          <a:xfrm>
-            <a:off x="8450045" y="6282885"/>
-            <a:ext cx="2095500" cy="552196"/>
-          </a:xfrm>
-          <a:prstGeom prst="rect">
-            <a:avLst/>
-          </a:prstGeom>
-        </p:spPr>
-        <p:txBody>
-          <a:bodyPr vert="horz" lIns="91440" tIns="45720" rIns="91440" bIns="45720" rtlCol="0" anchor="t">
-            <a:normAutofit fontScale="60000" lnSpcReduction="20000"/>
-          </a:bodyPr>
-          <a:lstStyle>
-            <a:lvl1pPr algn="l" defTabSz="914400" rtl="0" eaLnBrk="1" latinLnBrk="0" hangingPunct="1">
-              <a:lnSpc>
-                <a:spcPct val="95000"/>
-              </a:lnSpc>
-              <a:spcBef>
-                <a:spcPct val="0"/>
-              </a:spcBef>
-              <a:buNone/>
-              <a:defRPr sz="4200" kern="1200" spc="-50" baseline="0">
-                <a:solidFill>
-                  <a:schemeClr val="tx1"/>
-                </a:solidFill>
-                <a:latin typeface="+mj-lt"/>
-                <a:ea typeface="+mj-ea"/>
-                <a:cs typeface="+mj-cs"/>
-              </a:defRPr>
-            </a:lvl1pPr>
-          </a:lstStyle>
-          <a:p>
-            <a:r>
-              <a:rPr lang="en-US" dirty="0"/>
-              <a:t>Naruto (2002)</a:t>
-            </a:r>
-          </a:p>
-        </p:txBody>
-      </p:sp>
+      </p:pic>
     </p:spTree>
     <p:extLst>
       <p:ext uri="{BB962C8B-B14F-4D97-AF65-F5344CB8AC3E}">
@@ -5143,4 +5734,172 @@
     </a:ext>
   </a:extLst>
 </a:theme>
+</file>
+
+<file path=customXml/item1.xml><?xml version="1.0" encoding="utf-8"?>
+<?mso-contentType ?>
+<FormTemplates xmlns="http://schemas.microsoft.com/sharepoint/v3/contenttype/forms">
+  <Display>DocumentLibraryForm</Display>
+  <Edit>DocumentLibraryForm</Edit>
+  <New>DocumentLibraryForm</New>
+</FormTemplates>
+</file>
+
+<file path=customXml/item2.xml><?xml version="1.0" encoding="utf-8"?>
+<ct:contentTypeSchema xmlns:ct="http://schemas.microsoft.com/office/2006/metadata/contentType" xmlns:ma="http://schemas.microsoft.com/office/2006/metadata/properties/metaAttributes" ct:_="" ma:_="" ma:contentTypeName="Document" ma:contentTypeID="0x01010019C3FA431E4C65439A922CBAC5CC898D" ma:contentTypeVersion="0" ma:contentTypeDescription="Create a new document." ma:contentTypeScope="" ma:versionID="85c47aad03c69b0143176406333f4f23">
+  <xsd:schema xmlns:xsd="http://www.w3.org/2001/XMLSchema" xmlns:xs="http://www.w3.org/2001/XMLSchema" xmlns:p="http://schemas.microsoft.com/office/2006/metadata/properties" targetNamespace="http://schemas.microsoft.com/office/2006/metadata/properties" ma:root="true" ma:fieldsID="31d5eec3c12ee2e8127422d567928fa7">
+    <xsd:element name="properties">
+      <xsd:complexType>
+        <xsd:sequence>
+          <xsd:element name="documentManagement">
+            <xsd:complexType>
+              <xsd:all/>
+            </xsd:complexType>
+          </xsd:element>
+        </xsd:sequence>
+      </xsd:complexType>
+    </xsd:element>
+  </xsd:schema>
+  <xsd:schema xmlns="http://schemas.openxmlformats.org/package/2006/metadata/core-properties" xmlns:xsd="http://www.w3.org/2001/XMLSchema" xmlns:xsi="http://www.w3.org/2001/XMLSchema-instance" xmlns:dc="http://purl.org/dc/elements/1.1/" xmlns:dcterms="http://purl.org/dc/terms/" xmlns:odoc="http://schemas.microsoft.com/internal/obd" targetNamespace="http://schemas.openxmlformats.org/package/2006/metadata/core-properties" elementFormDefault="qualified" attributeFormDefault="unqualified" blockDefault="#all">
+    <xsd:import namespace="http://purl.org/dc/elements/1.1/" schemaLocation="http://dublincore.org/schemas/xmls/qdc/2003/04/02/dc.xsd"/>
+    <xsd:import namespace="http://purl.org/dc/terms/" schemaLocation="http://dublincore.org/schemas/xmls/qdc/2003/04/02/dcterms.xsd"/>
+    <xsd:element name="coreProperties" type="CT_coreProperties"/>
+    <xsd:complexType name="CT_coreProperties">
+      <xsd:all>
+        <xsd:element ref="dc:creator" minOccurs="0" maxOccurs="1"/>
+        <xsd:element ref="dcterms:created" minOccurs="0" maxOccurs="1"/>
+        <xsd:element ref="dc:identifier" minOccurs="0" maxOccurs="1"/>
+        <xsd:element name="contentType" minOccurs="0" maxOccurs="1" type="xsd:string" ma:index="0" ma:displayName="Content Type"/>
+        <xsd:element ref="dc:title" minOccurs="0" maxOccurs="1" ma:index="4" ma:displayName="Title"/>
+        <xsd:element ref="dc:subject" minOccurs="0" maxOccurs="1"/>
+        <xsd:element ref="dc:description" minOccurs="0" maxOccurs="1"/>
+        <xsd:element name="keywords" minOccurs="0" maxOccurs="1" type="xsd:string"/>
+        <xsd:element ref="dc:language" minOccurs="0" maxOccurs="1"/>
+        <xsd:element name="category" minOccurs="0" maxOccurs="1" type="xsd:string"/>
+        <xsd:element name="version" minOccurs="0" maxOccurs="1" type="xsd:string"/>
+        <xsd:element name="revision" minOccurs="0" maxOccurs="1" type="xsd:string">
+          <xsd:annotation>
+            <xsd:documentation>
+                        This value indicates the number of saves or revisions. The application is responsible for updating this value after each revision.
+                    </xsd:documentation>
+          </xsd:annotation>
+        </xsd:element>
+        <xsd:element name="lastModifiedBy" minOccurs="0" maxOccurs="1" type="xsd:string"/>
+        <xsd:element ref="dcterms:modified" minOccurs="0" maxOccurs="1"/>
+        <xsd:element name="contentStatus" minOccurs="0" maxOccurs="1" type="xsd:string"/>
+      </xsd:all>
+    </xsd:complexType>
+  </xsd:schema>
+  <xs:schema xmlns:pc="http://schemas.microsoft.com/office/infopath/2007/PartnerControls" xmlns:xs="http://www.w3.org/2001/XMLSchema" targetNamespace="http://schemas.microsoft.com/office/infopath/2007/PartnerControls" elementFormDefault="qualified" attributeFormDefault="unqualified">
+    <xs:element name="Person">
+      <xs:complexType>
+        <xs:sequence>
+          <xs:element ref="pc:DisplayName" minOccurs="0"/>
+          <xs:element ref="pc:AccountId" minOccurs="0"/>
+          <xs:element ref="pc:AccountType" minOccurs="0"/>
+        </xs:sequence>
+      </xs:complexType>
+    </xs:element>
+    <xs:element name="DisplayName" type="xs:string"/>
+    <xs:element name="AccountId" type="xs:string"/>
+    <xs:element name="AccountType" type="xs:string"/>
+    <xs:element name="BDCAssociatedEntity">
+      <xs:complexType>
+        <xs:sequence>
+          <xs:element ref="pc:BDCEntity" minOccurs="0" maxOccurs="unbounded"/>
+        </xs:sequence>
+        <xs:attribute ref="pc:EntityNamespace"/>
+        <xs:attribute ref="pc:EntityName"/>
+        <xs:attribute ref="pc:SystemInstanceName"/>
+        <xs:attribute ref="pc:AssociationName"/>
+      </xs:complexType>
+    </xs:element>
+    <xs:attribute name="EntityNamespace" type="xs:string"/>
+    <xs:attribute name="EntityName" type="xs:string"/>
+    <xs:attribute name="SystemInstanceName" type="xs:string"/>
+    <xs:attribute name="AssociationName" type="xs:string"/>
+    <xs:element name="BDCEntity">
+      <xs:complexType>
+        <xs:sequence>
+          <xs:element ref="pc:EntityDisplayName" minOccurs="0"/>
+          <xs:element ref="pc:EntityInstanceReference" minOccurs="0"/>
+          <xs:element ref="pc:EntityId1" minOccurs="0"/>
+          <xs:element ref="pc:EntityId2" minOccurs="0"/>
+          <xs:element ref="pc:EntityId3" minOccurs="0"/>
+          <xs:element ref="pc:EntityId4" minOccurs="0"/>
+          <xs:element ref="pc:EntityId5" minOccurs="0"/>
+        </xs:sequence>
+      </xs:complexType>
+    </xs:element>
+    <xs:element name="EntityDisplayName" type="xs:string"/>
+    <xs:element name="EntityInstanceReference" type="xs:string"/>
+    <xs:element name="EntityId1" type="xs:string"/>
+    <xs:element name="EntityId2" type="xs:string"/>
+    <xs:element name="EntityId3" type="xs:string"/>
+    <xs:element name="EntityId4" type="xs:string"/>
+    <xs:element name="EntityId5" type="xs:string"/>
+    <xs:element name="Terms">
+      <xs:complexType>
+        <xs:sequence>
+          <xs:element ref="pc:TermInfo" minOccurs="0" maxOccurs="unbounded"/>
+        </xs:sequence>
+      </xs:complexType>
+    </xs:element>
+    <xs:element name="TermInfo">
+      <xs:complexType>
+        <xs:sequence>
+          <xs:element ref="pc:TermName" minOccurs="0"/>
+          <xs:element ref="pc:TermId" minOccurs="0"/>
+        </xs:sequence>
+      </xs:complexType>
+    </xs:element>
+    <xs:element name="TermName" type="xs:string"/>
+    <xs:element name="TermId" type="xs:string"/>
+  </xs:schema>
+</ct:contentTypeSchema>
+</file>
+
+<file path=customXml/item3.xml><?xml version="1.0" encoding="utf-8"?>
+<p:properties xmlns:p="http://schemas.microsoft.com/office/2006/metadata/properties" xmlns:xsi="http://www.w3.org/2001/XMLSchema-instance" xmlns:pc="http://schemas.microsoft.com/office/infopath/2007/PartnerControls">
+  <documentManagement/>
+</p:properties>
+</file>
+
+<file path=customXml/itemProps1.xml><?xml version="1.0" encoding="utf-8"?>
+<ds:datastoreItem xmlns:ds="http://schemas.openxmlformats.org/officeDocument/2006/customXml" ds:itemID="{C97E6E9D-0AF1-44FF-B922-DD28CFF946F7}">
+  <ds:schemaRefs>
+    <ds:schemaRef ds:uri="http://schemas.microsoft.com/sharepoint/v3/contenttype/forms"/>
+  </ds:schemaRefs>
+</ds:datastoreItem>
+</file>
+
+<file path=customXml/itemProps2.xml><?xml version="1.0" encoding="utf-8"?>
+<ds:datastoreItem xmlns:ds="http://schemas.openxmlformats.org/officeDocument/2006/customXml" ds:itemID="{54134DCE-0417-4099-9381-2AD5B694F3F1}">
+  <ds:schemaRefs>
+    <ds:schemaRef ds:uri="http://schemas.microsoft.com/office/2006/metadata/contentType"/>
+    <ds:schemaRef ds:uri="http://schemas.microsoft.com/office/2006/metadata/properties/metaAttributes"/>
+    <ds:schemaRef ds:uri="http://www.w3.org/2001/XMLSchema"/>
+    <ds:schemaRef ds:uri="http://schemas.microsoft.com/office/2006/metadata/properties"/>
+    <ds:schemaRef ds:uri="http://schemas.openxmlformats.org/package/2006/metadata/core-properties"/>
+    <ds:schemaRef ds:uri="http://purl.org/dc/elements/1.1/"/>
+    <ds:schemaRef ds:uri="http://purl.org/dc/terms/"/>
+    <ds:schemaRef ds:uri="http://schemas.microsoft.com/internal/obd"/>
+    <ds:schemaRef ds:uri="http://schemas.microsoft.com/office/infopath/2007/PartnerControls"/>
+  </ds:schemaRefs>
+</ds:datastoreItem>
+</file>
+
+<file path=customXml/itemProps3.xml><?xml version="1.0" encoding="utf-8"?>
+<ds:datastoreItem xmlns:ds="http://schemas.openxmlformats.org/officeDocument/2006/customXml" ds:itemID="{21D055D2-B23C-499D-B987-D558C4A3B7A1}">
+  <ds:schemaRefs>
+    <ds:schemaRef ds:uri="http://schemas.microsoft.com/office/infopath/2007/PartnerControls"/>
+    <ds:schemaRef ds:uri="http://purl.org/dc/elements/1.1/"/>
+    <ds:schemaRef ds:uri="http://schemas.openxmlformats.org/package/2006/metadata/core-properties"/>
+    <ds:schemaRef ds:uri="http://schemas.microsoft.com/office/2006/documentManagement/types"/>
+    <ds:schemaRef ds:uri="http://schemas.microsoft.com/office/2006/metadata/properties"/>
+    <ds:schemaRef ds:uri="http://purl.org/dc/dcmitype/"/>
+    <ds:schemaRef ds:uri="http://purl.org/dc/terms/"/>
+    <ds:schemaRef ds:uri="http://www.w3.org/XML/1998/namespace"/>
+  </ds:schemaRefs>
+</ds:datastoreItem>
 </file>